--- a/Khoá 3/Bài 8 - 12/Thực hiện bài tập chương.pptx
+++ b/Khoá 3/Bài 8 - 12/Thực hiện bài tập chương.pptx
@@ -6,15 +6,17 @@
     <p:sldMasterId id="2147483661" r:id="rId2"/>
   </p:sldMasterIdLst>
   <p:notesMasterIdLst>
-    <p:notesMasterId r:id="rId4"/>
+    <p:notesMasterId r:id="rId6"/>
   </p:notesMasterIdLst>
   <p:sldIdLst>
     <p:sldId id="256" r:id="rId3"/>
+    <p:sldId id="257" r:id="rId4"/>
+    <p:sldId id="258" r:id="rId5"/>
   </p:sldIdLst>
   <p:sldSz cx="12192000" cy="6858000"/>
   <p:notesSz cx="6858000" cy="9144000"/>
   <p:custDataLst>
-    <p:tags r:id="rId5"/>
+    <p:tags r:id="rId7"/>
   </p:custDataLst>
   <p:defaultTextStyle>
     <a:defPPr>
@@ -543,9 +545,33 @@
           <a:bodyPr/>
           <a:lstStyle/>
           <a:p>
+            <a:pPr marL="171450" indent="-171450">
+              <a:buFontTx/>
+              <a:buChar char="-"/>
+            </a:pPr>
             <a:r>
               <a:rPr lang="en-GB"/>
-              <a:t>- Dùng Edit Points để tạo khối xéo</a:t>
+              <a:t>Dùng Edit Points để tạo khối xéo</a:t>
+            </a:r>
+          </a:p>
+          <a:p>
+            <a:pPr marL="171450" indent="-171450">
+              <a:buFontTx/>
+              <a:buChar char="-"/>
+            </a:pPr>
+            <a:r>
+              <a:rPr lang="en-GB"/>
+              <a:t>Gõ text</a:t>
+            </a:r>
+          </a:p>
+          <a:p>
+            <a:pPr marL="171450" indent="-171450">
+              <a:buFontTx/>
+              <a:buChar char="-"/>
+            </a:pPr>
+            <a:r>
+              <a:rPr lang="en-GB"/>
+              <a:t>Tạo khối hình vuông (</a:t>
             </a:r>
           </a:p>
         </p:txBody>
@@ -577,6 +603,210 @@
     <p:extLst>
       <p:ext uri="{BB962C8B-B14F-4D97-AF65-F5344CB8AC3E}">
         <p14:creationId xmlns:p14="http://schemas.microsoft.com/office/powerpoint/2010/main" val="407040022"/>
+      </p:ext>
+    </p:extLst>
+  </p:cSld>
+  <p:clrMapOvr>
+    <a:masterClrMapping/>
+  </p:clrMapOvr>
+</p:notes>
+</file>
+
+<file path=ppt/notesSlides/notesSlide2.xml><?xml version="1.0" encoding="utf-8"?>
+<p:notes xmlns:a="http://schemas.openxmlformats.org/drawingml/2006/main" xmlns:r="http://schemas.openxmlformats.org/officeDocument/2006/relationships" xmlns:p="http://schemas.openxmlformats.org/presentationml/2006/main">
+  <p:cSld>
+    <p:spTree>
+      <p:nvGrpSpPr>
+        <p:cNvPr id="1" name=""/>
+        <p:cNvGrpSpPr/>
+        <p:nvPr/>
+      </p:nvGrpSpPr>
+      <p:grpSpPr>
+        <a:xfrm>
+          <a:off x="0" y="0"/>
+          <a:ext cx="0" cy="0"/>
+          <a:chOff x="0" y="0"/>
+          <a:chExt cx="0" cy="0"/>
+        </a:xfrm>
+      </p:grpSpPr>
+      <p:sp>
+        <p:nvSpPr>
+          <p:cNvPr id="2" name="Slide Image Placeholder 1"/>
+          <p:cNvSpPr>
+            <a:spLocks noGrp="1" noRot="1" noChangeAspect="1"/>
+          </p:cNvSpPr>
+          <p:nvPr>
+            <p:ph type="sldImg"/>
+          </p:nvPr>
+        </p:nvSpPr>
+        <p:spPr/>
+      </p:sp>
+      <p:sp>
+        <p:nvSpPr>
+          <p:cNvPr id="3" name="Notes Placeholder 2"/>
+          <p:cNvSpPr>
+            <a:spLocks noGrp="1"/>
+          </p:cNvSpPr>
+          <p:nvPr>
+            <p:ph type="body" idx="1"/>
+          </p:nvPr>
+        </p:nvSpPr>
+        <p:spPr/>
+        <p:txBody>
+          <a:bodyPr/>
+          <a:lstStyle/>
+          <a:p>
+            <a:pPr marL="171450" indent="-171450">
+              <a:buFontTx/>
+              <a:buChar char="-"/>
+            </a:pPr>
+            <a:r>
+              <a:rPr lang="en-GB"/>
+              <a:t>Dùng Edit Points để tạo khối xéo</a:t>
+            </a:r>
+          </a:p>
+          <a:p>
+            <a:pPr marL="171450" indent="-171450">
+              <a:buFontTx/>
+              <a:buChar char="-"/>
+            </a:pPr>
+            <a:r>
+              <a:rPr lang="en-GB"/>
+              <a:t>Gõ text</a:t>
+            </a:r>
+          </a:p>
+          <a:p>
+            <a:pPr marL="171450" indent="-171450">
+              <a:buFontTx/>
+              <a:buChar char="-"/>
+            </a:pPr>
+            <a:r>
+              <a:rPr lang="en-GB"/>
+              <a:t>Tạo khối hình vuông và khối hình ch</a:t>
+            </a:r>
+            <a:r>
+              <a:rPr lang="en-US"/>
+              <a:t>ữ thập</a:t>
+            </a:r>
+            <a:endParaRPr lang="en-GB"/>
+          </a:p>
+        </p:txBody>
+      </p:sp>
+      <p:sp>
+        <p:nvSpPr>
+          <p:cNvPr id="4" name="Slide Number Placeholder 3"/>
+          <p:cNvSpPr>
+            <a:spLocks noGrp="1"/>
+          </p:cNvSpPr>
+          <p:nvPr>
+            <p:ph type="sldNum" sz="quarter" idx="5"/>
+          </p:nvPr>
+        </p:nvSpPr>
+        <p:spPr/>
+        <p:txBody>
+          <a:bodyPr/>
+          <a:lstStyle/>
+          <a:p>
+            <a:fld id="{CC37FF0D-3108-4406-A6C2-4DB64F82457E}" type="slidenum">
+              <a:rPr lang="en-US" smtClean="0"/>
+              <a:t>2</a:t>
+            </a:fld>
+            <a:endParaRPr lang="en-US"/>
+          </a:p>
+        </p:txBody>
+      </p:sp>
+    </p:spTree>
+    <p:extLst>
+      <p:ext uri="{BB962C8B-B14F-4D97-AF65-F5344CB8AC3E}">
+        <p14:creationId xmlns:p14="http://schemas.microsoft.com/office/powerpoint/2010/main" val="501791286"/>
+      </p:ext>
+    </p:extLst>
+  </p:cSld>
+  <p:clrMapOvr>
+    <a:masterClrMapping/>
+  </p:clrMapOvr>
+</p:notes>
+</file>
+
+<file path=ppt/notesSlides/notesSlide3.xml><?xml version="1.0" encoding="utf-8"?>
+<p:notes xmlns:a="http://schemas.openxmlformats.org/drawingml/2006/main" xmlns:r="http://schemas.openxmlformats.org/officeDocument/2006/relationships" xmlns:p="http://schemas.openxmlformats.org/presentationml/2006/main">
+  <p:cSld>
+    <p:spTree>
+      <p:nvGrpSpPr>
+        <p:cNvPr id="1" name=""/>
+        <p:cNvGrpSpPr/>
+        <p:nvPr/>
+      </p:nvGrpSpPr>
+      <p:grpSpPr>
+        <a:xfrm>
+          <a:off x="0" y="0"/>
+          <a:ext cx="0" cy="0"/>
+          <a:chOff x="0" y="0"/>
+          <a:chExt cx="0" cy="0"/>
+        </a:xfrm>
+      </p:grpSpPr>
+      <p:sp>
+        <p:nvSpPr>
+          <p:cNvPr id="2" name="Slide Image Placeholder 1"/>
+          <p:cNvSpPr>
+            <a:spLocks noGrp="1" noRot="1" noChangeAspect="1"/>
+          </p:cNvSpPr>
+          <p:nvPr>
+            <p:ph type="sldImg"/>
+          </p:nvPr>
+        </p:nvSpPr>
+        <p:spPr/>
+      </p:sp>
+      <p:sp>
+        <p:nvSpPr>
+          <p:cNvPr id="3" name="Notes Placeholder 2"/>
+          <p:cNvSpPr>
+            <a:spLocks noGrp="1"/>
+          </p:cNvSpPr>
+          <p:nvPr>
+            <p:ph type="body" idx="1"/>
+          </p:nvPr>
+        </p:nvSpPr>
+        <p:spPr/>
+        <p:txBody>
+          <a:bodyPr/>
+          <a:lstStyle/>
+          <a:p>
+            <a:pPr marL="0" indent="0">
+              <a:buFontTx/>
+              <a:buNone/>
+            </a:pPr>
+            <a:endParaRPr lang="en-GB"/>
+          </a:p>
+        </p:txBody>
+      </p:sp>
+      <p:sp>
+        <p:nvSpPr>
+          <p:cNvPr id="4" name="Slide Number Placeholder 3"/>
+          <p:cNvSpPr>
+            <a:spLocks noGrp="1"/>
+          </p:cNvSpPr>
+          <p:nvPr>
+            <p:ph type="sldNum" sz="quarter" idx="5"/>
+          </p:nvPr>
+        </p:nvSpPr>
+        <p:spPr/>
+        <p:txBody>
+          <a:bodyPr/>
+          <a:lstStyle/>
+          <a:p>
+            <a:fld id="{CC37FF0D-3108-4406-A6C2-4DB64F82457E}" type="slidenum">
+              <a:rPr lang="en-US" smtClean="0"/>
+              <a:t>3</a:t>
+            </a:fld>
+            <a:endParaRPr lang="en-US"/>
+          </a:p>
+        </p:txBody>
+      </p:sp>
+    </p:spTree>
+    <p:extLst>
+      <p:ext uri="{BB962C8B-B14F-4D97-AF65-F5344CB8AC3E}">
+        <p14:creationId xmlns:p14="http://schemas.microsoft.com/office/powerpoint/2010/main" val="2605750907"/>
       </p:ext>
     </p:extLst>
   </p:cSld>
@@ -5039,7 +5269,7 @@
         <p:spPr>
           <a:xfrm>
             <a:off x="0" y="-199851"/>
-            <a:ext cx="14494933" cy="8153401"/>
+            <a:ext cx="12547289" cy="7057851"/>
           </a:xfrm>
           <a:prstGeom prst="rect">
             <a:avLst/>
@@ -5060,7 +5290,7 @@
         </p:nvSpPr>
         <p:spPr>
           <a:xfrm>
-            <a:off x="0" y="61134"/>
+            <a:off x="-7664496" y="11692"/>
             <a:ext cx="7725747" cy="6876662"/>
           </a:xfrm>
           <a:custGeom>
@@ -5175,7 +5405,7 @@
         </p:nvSpPr>
         <p:spPr>
           <a:xfrm rot="10800000">
-            <a:off x="9986867" y="0"/>
+            <a:off x="15625493" y="48563"/>
             <a:ext cx="7725747" cy="6876662"/>
           </a:xfrm>
           <a:custGeom>
@@ -5290,6 +5520,803 @@
         </p:nvSpPr>
         <p:spPr>
           <a:xfrm>
+            <a:off x="241709" y="-1446438"/>
+            <a:ext cx="2743200" cy="461665"/>
+          </a:xfrm>
+          <a:prstGeom prst="rect">
+            <a:avLst/>
+          </a:prstGeom>
+          <a:noFill/>
+        </p:spPr>
+        <p:txBody>
+          <a:bodyPr wrap="square" rtlCol="0">
+            <a:spAutoFit/>
+          </a:bodyPr>
+          <a:lstStyle/>
+          <a:p>
+            <a:pPr algn="l"/>
+            <a:r>
+              <a:rPr lang="en-GB" sz="2400"/>
+              <a:t>Câu lạc bộ</a:t>
+            </a:r>
+          </a:p>
+        </p:txBody>
+      </p:sp>
+      <p:sp>
+        <p:nvSpPr>
+          <p:cNvPr id="8" name="!!1">
+            <a:extLst>
+              <a:ext uri="{FF2B5EF4-FFF2-40B4-BE49-F238E27FC236}">
+                <a16:creationId xmlns:a16="http://schemas.microsoft.com/office/drawing/2014/main" id="{BA46F796-A19D-6346-7298-071FF9A7A264}"/>
+              </a:ext>
+            </a:extLst>
+          </p:cNvPr>
+          <p:cNvSpPr txBox="1"/>
+          <p:nvPr/>
+        </p:nvSpPr>
+        <p:spPr>
+          <a:xfrm>
+            <a:off x="-5492038" y="1615227"/>
+            <a:ext cx="4361478" cy="769441"/>
+          </a:xfrm>
+          <a:prstGeom prst="rect">
+            <a:avLst/>
+          </a:prstGeom>
+          <a:noFill/>
+        </p:spPr>
+        <p:txBody>
+          <a:bodyPr wrap="square" rtlCol="0">
+            <a:spAutoFit/>
+          </a:bodyPr>
+          <a:lstStyle/>
+          <a:p>
+            <a:pPr algn="l"/>
+            <a:r>
+              <a:rPr lang="en-GB" sz="4400">
+                <a:solidFill>
+                  <a:srgbClr val="538C97"/>
+                </a:solidFill>
+              </a:rPr>
+              <a:t>Đạp Xe Vui Vẻ</a:t>
+            </a:r>
+          </a:p>
+        </p:txBody>
+      </p:sp>
+      <p:sp>
+        <p:nvSpPr>
+          <p:cNvPr id="9" name="TextBox 8">
+            <a:extLst>
+              <a:ext uri="{FF2B5EF4-FFF2-40B4-BE49-F238E27FC236}">
+                <a16:creationId xmlns:a16="http://schemas.microsoft.com/office/drawing/2014/main" id="{07D9881D-A33A-14D9-5285-CE80FC0C8FF4}"/>
+              </a:ext>
+            </a:extLst>
+          </p:cNvPr>
+          <p:cNvSpPr txBox="1"/>
+          <p:nvPr/>
+        </p:nvSpPr>
+        <p:spPr>
+          <a:xfrm>
+            <a:off x="-2910924" y="2960737"/>
+            <a:ext cx="2743200" cy="338554"/>
+          </a:xfrm>
+          <a:prstGeom prst="rect">
+            <a:avLst/>
+          </a:prstGeom>
+          <a:noFill/>
+        </p:spPr>
+        <p:txBody>
+          <a:bodyPr wrap="square" rtlCol="0">
+            <a:spAutoFit/>
+          </a:bodyPr>
+          <a:lstStyle/>
+          <a:p>
+            <a:pPr algn="l"/>
+            <a:r>
+              <a:rPr lang="en-GB" sz="1600" b="1"/>
+              <a:t>Địa điểm tổ chức</a:t>
+            </a:r>
+          </a:p>
+        </p:txBody>
+      </p:sp>
+      <p:sp>
+        <p:nvSpPr>
+          <p:cNvPr id="10" name="TextBox 9">
+            <a:extLst>
+              <a:ext uri="{FF2B5EF4-FFF2-40B4-BE49-F238E27FC236}">
+                <a16:creationId xmlns:a16="http://schemas.microsoft.com/office/drawing/2014/main" id="{E571232A-95CE-3F91-F441-EC14CD702369}"/>
+              </a:ext>
+            </a:extLst>
+          </p:cNvPr>
+          <p:cNvSpPr txBox="1"/>
+          <p:nvPr/>
+        </p:nvSpPr>
+        <p:spPr>
+          <a:xfrm>
+            <a:off x="18048063" y="3090446"/>
+            <a:ext cx="2743200" cy="338554"/>
+          </a:xfrm>
+          <a:prstGeom prst="rect">
+            <a:avLst/>
+          </a:prstGeom>
+          <a:noFill/>
+        </p:spPr>
+        <p:txBody>
+          <a:bodyPr wrap="square" rtlCol="0">
+            <a:spAutoFit/>
+          </a:bodyPr>
+          <a:lstStyle/>
+          <a:p>
+            <a:pPr algn="l"/>
+            <a:r>
+              <a:rPr lang="en-GB" sz="1600"/>
+              <a:t>Hồ Tây, Hà Nội</a:t>
+            </a:r>
+          </a:p>
+        </p:txBody>
+      </p:sp>
+      <p:sp>
+        <p:nvSpPr>
+          <p:cNvPr id="11" name="TextBox 10">
+            <a:extLst>
+              <a:ext uri="{FF2B5EF4-FFF2-40B4-BE49-F238E27FC236}">
+                <a16:creationId xmlns:a16="http://schemas.microsoft.com/office/drawing/2014/main" id="{6F45FADB-55AF-AB85-B0AC-1E793E03BFFE}"/>
+              </a:ext>
+            </a:extLst>
+          </p:cNvPr>
+          <p:cNvSpPr txBox="1"/>
+          <p:nvPr/>
+        </p:nvSpPr>
+        <p:spPr>
+          <a:xfrm>
+            <a:off x="-5004320" y="3895738"/>
+            <a:ext cx="2743200" cy="338554"/>
+          </a:xfrm>
+          <a:prstGeom prst="rect">
+            <a:avLst/>
+          </a:prstGeom>
+          <a:noFill/>
+        </p:spPr>
+        <p:txBody>
+          <a:bodyPr wrap="square" rtlCol="0">
+            <a:spAutoFit/>
+          </a:bodyPr>
+          <a:lstStyle/>
+          <a:p>
+            <a:pPr algn="l"/>
+            <a:r>
+              <a:rPr lang="en-GB" sz="1600" b="1"/>
+              <a:t>Số lượng tham gia</a:t>
+            </a:r>
+          </a:p>
+        </p:txBody>
+      </p:sp>
+      <p:sp>
+        <p:nvSpPr>
+          <p:cNvPr id="12" name="TextBox 11">
+            <a:extLst>
+              <a:ext uri="{FF2B5EF4-FFF2-40B4-BE49-F238E27FC236}">
+                <a16:creationId xmlns:a16="http://schemas.microsoft.com/office/drawing/2014/main" id="{5616EFAE-6546-C778-0080-36B156597BE3}"/>
+              </a:ext>
+            </a:extLst>
+          </p:cNvPr>
+          <p:cNvSpPr txBox="1"/>
+          <p:nvPr/>
+        </p:nvSpPr>
+        <p:spPr>
+          <a:xfrm>
+            <a:off x="-3024673" y="4977013"/>
+            <a:ext cx="2743200" cy="338554"/>
+          </a:xfrm>
+          <a:prstGeom prst="rect">
+            <a:avLst/>
+          </a:prstGeom>
+          <a:noFill/>
+        </p:spPr>
+        <p:txBody>
+          <a:bodyPr wrap="square" rtlCol="0">
+            <a:spAutoFit/>
+          </a:bodyPr>
+          <a:lstStyle/>
+          <a:p>
+            <a:pPr algn="l"/>
+            <a:r>
+              <a:rPr lang="en-GB" sz="1600"/>
+              <a:t>100 người</a:t>
+            </a:r>
+          </a:p>
+        </p:txBody>
+      </p:sp>
+      <p:sp>
+        <p:nvSpPr>
+          <p:cNvPr id="13" name="TextBox 12">
+            <a:extLst>
+              <a:ext uri="{FF2B5EF4-FFF2-40B4-BE49-F238E27FC236}">
+                <a16:creationId xmlns:a16="http://schemas.microsoft.com/office/drawing/2014/main" id="{7BB688B4-E235-96B2-FCD6-1D1B45EBD9CC}"/>
+              </a:ext>
+            </a:extLst>
+          </p:cNvPr>
+          <p:cNvSpPr txBox="1"/>
+          <p:nvPr/>
+        </p:nvSpPr>
+        <p:spPr>
+          <a:xfrm>
+            <a:off x="-2892048" y="5719734"/>
+            <a:ext cx="2743200" cy="338554"/>
+          </a:xfrm>
+          <a:prstGeom prst="rect">
+            <a:avLst/>
+          </a:prstGeom>
+          <a:noFill/>
+        </p:spPr>
+        <p:txBody>
+          <a:bodyPr wrap="square" rtlCol="0">
+            <a:spAutoFit/>
+          </a:bodyPr>
+          <a:lstStyle/>
+          <a:p>
+            <a:pPr algn="l"/>
+            <a:r>
+              <a:rPr lang="en-GB" sz="1600" b="1"/>
+              <a:t>Lệ phí tham dự</a:t>
+            </a:r>
+          </a:p>
+        </p:txBody>
+      </p:sp>
+      <p:sp>
+        <p:nvSpPr>
+          <p:cNvPr id="15" name="TextBox 14">
+            <a:extLst>
+              <a:ext uri="{FF2B5EF4-FFF2-40B4-BE49-F238E27FC236}">
+                <a16:creationId xmlns:a16="http://schemas.microsoft.com/office/drawing/2014/main" id="{51F307EA-257A-1C8F-0FC3-FB9150187405}"/>
+              </a:ext>
+            </a:extLst>
+          </p:cNvPr>
+          <p:cNvSpPr txBox="1"/>
+          <p:nvPr/>
+        </p:nvSpPr>
+        <p:spPr>
+          <a:xfrm>
+            <a:off x="-1936880" y="6507754"/>
+            <a:ext cx="2743200" cy="338554"/>
+          </a:xfrm>
+          <a:prstGeom prst="rect">
+            <a:avLst/>
+          </a:prstGeom>
+          <a:noFill/>
+        </p:spPr>
+        <p:txBody>
+          <a:bodyPr wrap="square" rtlCol="0">
+            <a:spAutoFit/>
+          </a:bodyPr>
+          <a:lstStyle/>
+          <a:p>
+            <a:pPr algn="l"/>
+            <a:r>
+              <a:rPr lang="en-GB" sz="1600"/>
+              <a:t>Miễn phí</a:t>
+            </a:r>
+          </a:p>
+        </p:txBody>
+      </p:sp>
+      <p:cxnSp>
+        <p:nvCxnSpPr>
+          <p:cNvPr id="17" name="Straight Connector 16">
+            <a:extLst>
+              <a:ext uri="{FF2B5EF4-FFF2-40B4-BE49-F238E27FC236}">
+                <a16:creationId xmlns:a16="http://schemas.microsoft.com/office/drawing/2014/main" id="{D2459794-0B1F-B796-94B6-EC1E995FDD80}"/>
+              </a:ext>
+            </a:extLst>
+          </p:cNvPr>
+          <p:cNvCxnSpPr/>
+          <p:nvPr/>
+        </p:nvCxnSpPr>
+        <p:spPr>
+          <a:xfrm>
+            <a:off x="-6169467" y="2384668"/>
+            <a:ext cx="4649019" cy="0"/>
+          </a:xfrm>
+          <a:prstGeom prst="line">
+            <a:avLst/>
+          </a:prstGeom>
+          <a:ln w="47625">
+            <a:solidFill>
+              <a:schemeClr val="tx1">
+                <a:lumMod val="50000"/>
+                <a:alpha val="58000"/>
+              </a:schemeClr>
+            </a:solidFill>
+          </a:ln>
+        </p:spPr>
+        <p:style>
+          <a:lnRef idx="1">
+            <a:schemeClr val="accent1"/>
+          </a:lnRef>
+          <a:fillRef idx="0">
+            <a:schemeClr val="accent1"/>
+          </a:fillRef>
+          <a:effectRef idx="0">
+            <a:schemeClr val="accent1"/>
+          </a:effectRef>
+          <a:fontRef idx="minor">
+            <a:schemeClr val="tx1"/>
+          </a:fontRef>
+        </p:style>
+      </p:cxnSp>
+      <p:sp>
+        <p:nvSpPr>
+          <p:cNvPr id="14" name="Rectangle 13">
+            <a:extLst>
+              <a:ext uri="{FF2B5EF4-FFF2-40B4-BE49-F238E27FC236}">
+                <a16:creationId xmlns:a16="http://schemas.microsoft.com/office/drawing/2014/main" id="{C02423A7-B1DB-4DCA-BB5D-37B225BDB79C}"/>
+              </a:ext>
+            </a:extLst>
+          </p:cNvPr>
+          <p:cNvSpPr/>
+          <p:nvPr/>
+        </p:nvSpPr>
+        <p:spPr>
+          <a:xfrm>
+            <a:off x="8678024" y="-1446438"/>
+            <a:ext cx="585788" cy="585788"/>
+          </a:xfrm>
+          <a:prstGeom prst="rect">
+            <a:avLst/>
+          </a:prstGeom>
+          <a:noFill/>
+          <a:ln w="57150" cap="flat" cmpd="sng" algn="ctr">
+            <a:solidFill>
+              <a:srgbClr val="FFFFFF">
+                <a:alpha val="69000"/>
+              </a:srgbClr>
+            </a:solidFill>
+            <a:prstDash val="solid"/>
+          </a:ln>
+          <a:effectLst/>
+        </p:spPr>
+        <p:txBody>
+          <a:bodyPr rtlCol="0" anchor="ctr"/>
+          <a:lstStyle/>
+          <a:p>
+            <a:pPr marL="0" marR="0" lvl="0" indent="0" algn="ctr" defTabSz="914400" eaLnBrk="1" fontAlgn="auto" latinLnBrk="0" hangingPunct="1">
+              <a:lnSpc>
+                <a:spcPct val="100000"/>
+              </a:lnSpc>
+              <a:spcBef>
+                <a:spcPts val="0"/>
+              </a:spcBef>
+              <a:spcAft>
+                <a:spcPts val="0"/>
+              </a:spcAft>
+              <a:buClrTx/>
+              <a:buSzTx/>
+              <a:buFontTx/>
+              <a:buNone/>
+              <a:tabLst/>
+              <a:defRPr/>
+            </a:pPr>
+            <a:endParaRPr kumimoji="0" lang="en-US" sz="1400" b="0" i="0" u="none" strike="noStrike" kern="0" cap="none" spc="0" normalizeH="0" baseline="0" noProof="0">
+              <a:ln>
+                <a:noFill/>
+              </a:ln>
+              <a:solidFill>
+                <a:srgbClr val="FFFFFF"/>
+              </a:solidFill>
+              <a:effectLst/>
+              <a:uLnTx/>
+              <a:uFillTx/>
+              <a:latin typeface="Arial"/>
+              <a:ea typeface="+mn-ea"/>
+              <a:cs typeface="+mn-cs"/>
+              <a:sym typeface="Arial"/>
+              <a:rtl val="0"/>
+            </a:endParaRPr>
+          </a:p>
+        </p:txBody>
+      </p:sp>
+      <p:sp>
+        <p:nvSpPr>
+          <p:cNvPr id="16" name="Plus Sign 15">
+            <a:extLst>
+              <a:ext uri="{FF2B5EF4-FFF2-40B4-BE49-F238E27FC236}">
+                <a16:creationId xmlns:a16="http://schemas.microsoft.com/office/drawing/2014/main" id="{03385D8D-0883-4C81-8ADA-E20F9265E8A4}"/>
+              </a:ext>
+            </a:extLst>
+          </p:cNvPr>
+          <p:cNvSpPr/>
+          <p:nvPr/>
+        </p:nvSpPr>
+        <p:spPr>
+          <a:xfrm>
+            <a:off x="11375943" y="8359747"/>
+            <a:ext cx="509204" cy="509204"/>
+          </a:xfrm>
+          <a:prstGeom prst="mathPlus">
+            <a:avLst>
+              <a:gd name="adj1" fmla="val 9674"/>
+            </a:avLst>
+          </a:prstGeom>
+          <a:solidFill>
+            <a:srgbClr val="FFFFFF">
+              <a:alpha val="69000"/>
+            </a:srgbClr>
+          </a:solidFill>
+          <a:ln w="25400" cap="flat" cmpd="sng" algn="ctr">
+            <a:noFill/>
+            <a:prstDash val="solid"/>
+          </a:ln>
+          <a:effectLst/>
+        </p:spPr>
+        <p:txBody>
+          <a:bodyPr rtlCol="0" anchor="ctr"/>
+          <a:lstStyle/>
+          <a:p>
+            <a:pPr marL="0" marR="0" lvl="0" indent="0" algn="ctr" defTabSz="914400" eaLnBrk="1" fontAlgn="auto" latinLnBrk="0" hangingPunct="1">
+              <a:lnSpc>
+                <a:spcPct val="100000"/>
+              </a:lnSpc>
+              <a:spcBef>
+                <a:spcPts val="0"/>
+              </a:spcBef>
+              <a:spcAft>
+                <a:spcPts val="0"/>
+              </a:spcAft>
+              <a:buClrTx/>
+              <a:buSzTx/>
+              <a:buFontTx/>
+              <a:buNone/>
+              <a:tabLst/>
+              <a:defRPr/>
+            </a:pPr>
+            <a:endParaRPr kumimoji="0" lang="en-US" sz="1400" b="0" i="0" u="none" strike="noStrike" kern="0" cap="none" spc="0" normalizeH="0" baseline="0" noProof="0">
+              <a:ln>
+                <a:noFill/>
+              </a:ln>
+              <a:solidFill>
+                <a:srgbClr val="FFFFFF"/>
+              </a:solidFill>
+              <a:effectLst/>
+              <a:uLnTx/>
+              <a:uFillTx/>
+              <a:latin typeface="Arial"/>
+              <a:ea typeface="+mn-ea"/>
+              <a:cs typeface="+mn-cs"/>
+              <a:sym typeface="Arial"/>
+              <a:rtl val="0"/>
+            </a:endParaRPr>
+          </a:p>
+        </p:txBody>
+      </p:sp>
+    </p:spTree>
+    <p:extLst>
+      <p:ext uri="{BB962C8B-B14F-4D97-AF65-F5344CB8AC3E}">
+        <p14:creationId xmlns:p14="http://schemas.microsoft.com/office/powerpoint/2010/main" val="2958314684"/>
+      </p:ext>
+    </p:extLst>
+  </p:cSld>
+  <p:clrMapOvr>
+    <a:masterClrMapping/>
+  </p:clrMapOvr>
+  <mc:AlternateContent xmlns:mc="http://schemas.openxmlformats.org/markup-compatibility/2006" xmlns:p159="http://schemas.microsoft.com/office/powerpoint/2015/09/main">
+    <mc:Choice Requires="p159">
+      <p:transition xmlns:p14="http://schemas.microsoft.com/office/powerpoint/2010/main" spd="slow" p14:dur="2000">
+        <p159:morph option="byObject"/>
+      </p:transition>
+    </mc:Choice>
+    <mc:Fallback xmlns="">
+      <p:transition spd="slow">
+        <p:fade/>
+      </p:transition>
+    </mc:Fallback>
+  </mc:AlternateContent>
+</p:sld>
+</file>
+
+<file path=ppt/slides/slide2.xml><?xml version="1.0" encoding="utf-8"?>
+<p:sld xmlns:a="http://schemas.openxmlformats.org/drawingml/2006/main" xmlns:r="http://schemas.openxmlformats.org/officeDocument/2006/relationships" xmlns:p="http://schemas.openxmlformats.org/presentationml/2006/main">
+  <p:cSld>
+    <p:bg>
+      <p:bgPr>
+        <a:solidFill>
+          <a:schemeClr val="bg1">
+            <a:alpha val="48000"/>
+          </a:schemeClr>
+        </a:solidFill>
+        <a:effectLst/>
+      </p:bgPr>
+    </p:bg>
+    <p:spTree>
+      <p:nvGrpSpPr>
+        <p:cNvPr id="1" name=""/>
+        <p:cNvGrpSpPr/>
+        <p:nvPr/>
+      </p:nvGrpSpPr>
+      <p:grpSpPr>
+        <a:xfrm>
+          <a:off x="0" y="0"/>
+          <a:ext cx="0" cy="0"/>
+          <a:chOff x="0" y="0"/>
+          <a:chExt cx="0" cy="0"/>
+        </a:xfrm>
+      </p:grpSpPr>
+      <p:pic>
+        <p:nvPicPr>
+          <p:cNvPr id="3" name="Picture 2" descr="A person on a motorcycle jumping in the air&#10;&#10;Description automatically generated">
+            <a:extLst>
+              <a:ext uri="{FF2B5EF4-FFF2-40B4-BE49-F238E27FC236}">
+                <a16:creationId xmlns:a16="http://schemas.microsoft.com/office/drawing/2014/main" id="{B190EF25-E339-921E-C87D-2C597BD042E0}"/>
+              </a:ext>
+            </a:extLst>
+          </p:cNvPr>
+          <p:cNvPicPr>
+            <a:picLocks noChangeAspect="1"/>
+          </p:cNvPicPr>
+          <p:nvPr/>
+        </p:nvPicPr>
+        <p:blipFill rotWithShape="1">
+          <a:blip r:embed="rId3">
+            <a:extLst>
+              <a:ext uri="{28A0092B-C50C-407E-A947-70E740481C1C}">
+                <a14:useLocalDpi xmlns:a14="http://schemas.microsoft.com/office/drawing/2010/main" val="0"/>
+              </a:ext>
+            </a:extLst>
+          </a:blip>
+          <a:srcRect t="7786" b="7786"/>
+          <a:stretch/>
+        </p:blipFill>
+        <p:spPr>
+          <a:xfrm>
+            <a:off x="0" y="-199851"/>
+            <a:ext cx="14494933" cy="8153401"/>
+          </a:xfrm>
+          <a:prstGeom prst="rect">
+            <a:avLst/>
+          </a:prstGeom>
+        </p:spPr>
+      </p:pic>
+      <p:sp>
+        <p:nvSpPr>
+          <p:cNvPr id="5" name="Rectangle 4">
+            <a:extLst>
+              <a:ext uri="{FF2B5EF4-FFF2-40B4-BE49-F238E27FC236}">
+                <a16:creationId xmlns:a16="http://schemas.microsoft.com/office/drawing/2014/main" id="{83901455-6BBA-BEEA-57B7-1A442F9C6D49}"/>
+              </a:ext>
+            </a:extLst>
+          </p:cNvPr>
+          <p:cNvSpPr/>
+          <p:nvPr/>
+        </p:nvSpPr>
+        <p:spPr>
+          <a:xfrm>
+            <a:off x="0" y="-1"/>
+            <a:ext cx="7725747" cy="6937797"/>
+          </a:xfrm>
+          <a:custGeom>
+            <a:avLst/>
+            <a:gdLst>
+              <a:gd name="connsiteX0" fmla="*/ 0 w 7725747"/>
+              <a:gd name="connsiteY0" fmla="*/ 0 h 6858001"/>
+              <a:gd name="connsiteX1" fmla="*/ 7725747 w 7725747"/>
+              <a:gd name="connsiteY1" fmla="*/ 0 h 6858001"/>
+              <a:gd name="connsiteX2" fmla="*/ 7725747 w 7725747"/>
+              <a:gd name="connsiteY2" fmla="*/ 6858001 h 6858001"/>
+              <a:gd name="connsiteX3" fmla="*/ 0 w 7725747"/>
+              <a:gd name="connsiteY3" fmla="*/ 6858001 h 6858001"/>
+              <a:gd name="connsiteX4" fmla="*/ 0 w 7725747"/>
+              <a:gd name="connsiteY4" fmla="*/ 0 h 6858001"/>
+              <a:gd name="connsiteX0" fmla="*/ 0 w 7725747"/>
+              <a:gd name="connsiteY0" fmla="*/ 18661 h 6876662"/>
+              <a:gd name="connsiteX1" fmla="*/ 5598368 w 7725747"/>
+              <a:gd name="connsiteY1" fmla="*/ 0 h 6876662"/>
+              <a:gd name="connsiteX2" fmla="*/ 7725747 w 7725747"/>
+              <a:gd name="connsiteY2" fmla="*/ 6876662 h 6876662"/>
+              <a:gd name="connsiteX3" fmla="*/ 0 w 7725747"/>
+              <a:gd name="connsiteY3" fmla="*/ 6876662 h 6876662"/>
+              <a:gd name="connsiteX4" fmla="*/ 0 w 7725747"/>
+              <a:gd name="connsiteY4" fmla="*/ 18661 h 6876662"/>
+            </a:gdLst>
+            <a:ahLst/>
+            <a:cxnLst>
+              <a:cxn ang="0">
+                <a:pos x="connsiteX0" y="connsiteY0"/>
+              </a:cxn>
+              <a:cxn ang="0">
+                <a:pos x="connsiteX1" y="connsiteY1"/>
+              </a:cxn>
+              <a:cxn ang="0">
+                <a:pos x="connsiteX2" y="connsiteY2"/>
+              </a:cxn>
+              <a:cxn ang="0">
+                <a:pos x="connsiteX3" y="connsiteY3"/>
+              </a:cxn>
+              <a:cxn ang="0">
+                <a:pos x="connsiteX4" y="connsiteY4"/>
+              </a:cxn>
+            </a:cxnLst>
+            <a:rect l="l" t="t" r="r" b="b"/>
+            <a:pathLst>
+              <a:path w="7725747" h="6876662">
+                <a:moveTo>
+                  <a:pt x="0" y="18661"/>
+                </a:moveTo>
+                <a:lnTo>
+                  <a:pt x="5598368" y="0"/>
+                </a:lnTo>
+                <a:lnTo>
+                  <a:pt x="7725747" y="6876662"/>
+                </a:lnTo>
+                <a:lnTo>
+                  <a:pt x="0" y="6876662"/>
+                </a:lnTo>
+                <a:lnTo>
+                  <a:pt x="0" y="18661"/>
+                </a:lnTo>
+                <a:close/>
+              </a:path>
+            </a:pathLst>
+          </a:custGeom>
+          <a:solidFill>
+            <a:schemeClr val="bg1">
+              <a:alpha val="64000"/>
+            </a:schemeClr>
+          </a:solidFill>
+          <a:ln>
+            <a:noFill/>
+          </a:ln>
+        </p:spPr>
+        <p:style>
+          <a:lnRef idx="2">
+            <a:schemeClr val="accent1">
+              <a:shade val="50000"/>
+            </a:schemeClr>
+          </a:lnRef>
+          <a:fillRef idx="1">
+            <a:schemeClr val="accent1"/>
+          </a:fillRef>
+          <a:effectRef idx="0">
+            <a:schemeClr val="accent1"/>
+          </a:effectRef>
+          <a:fontRef idx="minor">
+            <a:schemeClr val="lt1"/>
+          </a:fontRef>
+        </p:style>
+        <p:txBody>
+          <a:bodyPr rtlCol="0" anchor="ctr"/>
+          <a:lstStyle/>
+          <a:p>
+            <a:pPr algn="ctr"/>
+            <a:endParaRPr lang="en-GB"/>
+          </a:p>
+        </p:txBody>
+      </p:sp>
+      <p:sp>
+        <p:nvSpPr>
+          <p:cNvPr id="6" name="Rectangle 4">
+            <a:extLst>
+              <a:ext uri="{FF2B5EF4-FFF2-40B4-BE49-F238E27FC236}">
+                <a16:creationId xmlns:a16="http://schemas.microsoft.com/office/drawing/2014/main" id="{57C5119C-8E0C-B60A-45EA-8331A6B55AF5}"/>
+              </a:ext>
+            </a:extLst>
+          </p:cNvPr>
+          <p:cNvSpPr/>
+          <p:nvPr/>
+        </p:nvSpPr>
+        <p:spPr>
+          <a:xfrm rot="10800000">
+            <a:off x="9986866" y="-61134"/>
+            <a:ext cx="7725747" cy="6937796"/>
+          </a:xfrm>
+          <a:custGeom>
+            <a:avLst/>
+            <a:gdLst>
+              <a:gd name="connsiteX0" fmla="*/ 0 w 7725747"/>
+              <a:gd name="connsiteY0" fmla="*/ 0 h 6858001"/>
+              <a:gd name="connsiteX1" fmla="*/ 7725747 w 7725747"/>
+              <a:gd name="connsiteY1" fmla="*/ 0 h 6858001"/>
+              <a:gd name="connsiteX2" fmla="*/ 7725747 w 7725747"/>
+              <a:gd name="connsiteY2" fmla="*/ 6858001 h 6858001"/>
+              <a:gd name="connsiteX3" fmla="*/ 0 w 7725747"/>
+              <a:gd name="connsiteY3" fmla="*/ 6858001 h 6858001"/>
+              <a:gd name="connsiteX4" fmla="*/ 0 w 7725747"/>
+              <a:gd name="connsiteY4" fmla="*/ 0 h 6858001"/>
+              <a:gd name="connsiteX0" fmla="*/ 0 w 7725747"/>
+              <a:gd name="connsiteY0" fmla="*/ 18661 h 6876662"/>
+              <a:gd name="connsiteX1" fmla="*/ 5598368 w 7725747"/>
+              <a:gd name="connsiteY1" fmla="*/ 0 h 6876662"/>
+              <a:gd name="connsiteX2" fmla="*/ 7725747 w 7725747"/>
+              <a:gd name="connsiteY2" fmla="*/ 6876662 h 6876662"/>
+              <a:gd name="connsiteX3" fmla="*/ 0 w 7725747"/>
+              <a:gd name="connsiteY3" fmla="*/ 6876662 h 6876662"/>
+              <a:gd name="connsiteX4" fmla="*/ 0 w 7725747"/>
+              <a:gd name="connsiteY4" fmla="*/ 18661 h 6876662"/>
+            </a:gdLst>
+            <a:ahLst/>
+            <a:cxnLst>
+              <a:cxn ang="0">
+                <a:pos x="connsiteX0" y="connsiteY0"/>
+              </a:cxn>
+              <a:cxn ang="0">
+                <a:pos x="connsiteX1" y="connsiteY1"/>
+              </a:cxn>
+              <a:cxn ang="0">
+                <a:pos x="connsiteX2" y="connsiteY2"/>
+              </a:cxn>
+              <a:cxn ang="0">
+                <a:pos x="connsiteX3" y="connsiteY3"/>
+              </a:cxn>
+              <a:cxn ang="0">
+                <a:pos x="connsiteX4" y="connsiteY4"/>
+              </a:cxn>
+            </a:cxnLst>
+            <a:rect l="l" t="t" r="r" b="b"/>
+            <a:pathLst>
+              <a:path w="7725747" h="6876662">
+                <a:moveTo>
+                  <a:pt x="0" y="18661"/>
+                </a:moveTo>
+                <a:lnTo>
+                  <a:pt x="5598368" y="0"/>
+                </a:lnTo>
+                <a:lnTo>
+                  <a:pt x="7725747" y="6876662"/>
+                </a:lnTo>
+                <a:lnTo>
+                  <a:pt x="0" y="6876662"/>
+                </a:lnTo>
+                <a:lnTo>
+                  <a:pt x="0" y="18661"/>
+                </a:lnTo>
+                <a:close/>
+              </a:path>
+            </a:pathLst>
+          </a:custGeom>
+          <a:solidFill>
+            <a:schemeClr val="bg1">
+              <a:alpha val="64000"/>
+            </a:schemeClr>
+          </a:solidFill>
+          <a:ln>
+            <a:noFill/>
+          </a:ln>
+        </p:spPr>
+        <p:style>
+          <a:lnRef idx="2">
+            <a:schemeClr val="accent1">
+              <a:shade val="50000"/>
+            </a:schemeClr>
+          </a:lnRef>
+          <a:fillRef idx="1">
+            <a:schemeClr val="accent1"/>
+          </a:fillRef>
+          <a:effectRef idx="0">
+            <a:schemeClr val="accent1"/>
+          </a:effectRef>
+          <a:fontRef idx="minor">
+            <a:schemeClr val="lt1"/>
+          </a:fontRef>
+        </p:style>
+        <p:txBody>
+          <a:bodyPr rtlCol="0" anchor="ctr"/>
+          <a:lstStyle/>
+          <a:p>
+            <a:pPr algn="ctr"/>
+            <a:endParaRPr lang="en-GB"/>
+          </a:p>
+        </p:txBody>
+      </p:sp>
+      <p:sp>
+        <p:nvSpPr>
+          <p:cNvPr id="7" name="TextBox 6">
+            <a:extLst>
+              <a:ext uri="{FF2B5EF4-FFF2-40B4-BE49-F238E27FC236}">
+                <a16:creationId xmlns:a16="http://schemas.microsoft.com/office/drawing/2014/main" id="{276ABBF4-381D-2D7F-137B-7B310D1586EB}"/>
+              </a:ext>
+            </a:extLst>
+          </p:cNvPr>
+          <p:cNvSpPr txBox="1"/>
+          <p:nvPr/>
+        </p:nvSpPr>
+        <p:spPr>
+          <a:xfrm>
             <a:off x="562947" y="1060441"/>
             <a:ext cx="2743200" cy="461665"/>
           </a:xfrm>
@@ -5314,7 +6341,7 @@
       </p:sp>
       <p:sp>
         <p:nvSpPr>
-          <p:cNvPr id="8" name="TextBox 7">
+          <p:cNvPr id="8" name="!!1">
             <a:extLst>
               <a:ext uri="{FF2B5EF4-FFF2-40B4-BE49-F238E27FC236}">
                 <a16:creationId xmlns:a16="http://schemas.microsoft.com/office/drawing/2014/main" id="{BA46F796-A19D-6346-7298-071FF9A7A264}"/>
@@ -5612,10 +6639,420 @@
           </a:fontRef>
         </p:style>
       </p:cxnSp>
+      <p:sp>
+        <p:nvSpPr>
+          <p:cNvPr id="14" name="Rectangle 13">
+            <a:extLst>
+              <a:ext uri="{FF2B5EF4-FFF2-40B4-BE49-F238E27FC236}">
+                <a16:creationId xmlns:a16="http://schemas.microsoft.com/office/drawing/2014/main" id="{C02423A7-B1DB-4DCA-BB5D-37B225BDB79C}"/>
+              </a:ext>
+            </a:extLst>
+          </p:cNvPr>
+          <p:cNvSpPr/>
+          <p:nvPr/>
+        </p:nvSpPr>
+        <p:spPr>
+          <a:xfrm>
+            <a:off x="9651418" y="5921966"/>
+            <a:ext cx="585788" cy="585788"/>
+          </a:xfrm>
+          <a:prstGeom prst="rect">
+            <a:avLst/>
+          </a:prstGeom>
+          <a:noFill/>
+          <a:ln w="57150" cap="flat" cmpd="sng" algn="ctr">
+            <a:solidFill>
+              <a:srgbClr val="FFFFFF">
+                <a:alpha val="69000"/>
+              </a:srgbClr>
+            </a:solidFill>
+            <a:prstDash val="solid"/>
+          </a:ln>
+          <a:effectLst/>
+        </p:spPr>
+        <p:txBody>
+          <a:bodyPr rtlCol="0" anchor="ctr"/>
+          <a:lstStyle/>
+          <a:p>
+            <a:pPr marL="0" marR="0" lvl="0" indent="0" algn="ctr" defTabSz="914400" eaLnBrk="1" fontAlgn="auto" latinLnBrk="0" hangingPunct="1">
+              <a:lnSpc>
+                <a:spcPct val="100000"/>
+              </a:lnSpc>
+              <a:spcBef>
+                <a:spcPts val="0"/>
+              </a:spcBef>
+              <a:spcAft>
+                <a:spcPts val="0"/>
+              </a:spcAft>
+              <a:buClrTx/>
+              <a:buSzTx/>
+              <a:buFontTx/>
+              <a:buNone/>
+              <a:tabLst/>
+              <a:defRPr/>
+            </a:pPr>
+            <a:endParaRPr kumimoji="0" lang="en-US" sz="1400" b="0" i="0" u="none" strike="noStrike" kern="0" cap="none" spc="0" normalizeH="0" baseline="0" noProof="0">
+              <a:ln>
+                <a:noFill/>
+              </a:ln>
+              <a:solidFill>
+                <a:srgbClr val="FFFFFF"/>
+              </a:solidFill>
+              <a:effectLst/>
+              <a:uLnTx/>
+              <a:uFillTx/>
+              <a:latin typeface="Arial"/>
+              <a:ea typeface="+mn-ea"/>
+              <a:cs typeface="+mn-cs"/>
+              <a:sym typeface="Arial"/>
+              <a:rtl val="0"/>
+            </a:endParaRPr>
+          </a:p>
+        </p:txBody>
+      </p:sp>
+      <p:sp>
+        <p:nvSpPr>
+          <p:cNvPr id="16" name="Plus Sign 15">
+            <a:extLst>
+              <a:ext uri="{FF2B5EF4-FFF2-40B4-BE49-F238E27FC236}">
+                <a16:creationId xmlns:a16="http://schemas.microsoft.com/office/drawing/2014/main" id="{03385D8D-0883-4C81-8ADA-E20F9265E8A4}"/>
+              </a:ext>
+            </a:extLst>
+          </p:cNvPr>
+          <p:cNvSpPr/>
+          <p:nvPr/>
+        </p:nvSpPr>
+        <p:spPr>
+          <a:xfrm>
+            <a:off x="10284563" y="5412762"/>
+            <a:ext cx="509204" cy="509204"/>
+          </a:xfrm>
+          <a:prstGeom prst="mathPlus">
+            <a:avLst>
+              <a:gd name="adj1" fmla="val 9674"/>
+            </a:avLst>
+          </a:prstGeom>
+          <a:solidFill>
+            <a:srgbClr val="FFFFFF">
+              <a:alpha val="69000"/>
+            </a:srgbClr>
+          </a:solidFill>
+          <a:ln w="25400" cap="flat" cmpd="sng" algn="ctr">
+            <a:noFill/>
+            <a:prstDash val="solid"/>
+          </a:ln>
+          <a:effectLst/>
+        </p:spPr>
+        <p:txBody>
+          <a:bodyPr rtlCol="0" anchor="ctr"/>
+          <a:lstStyle/>
+          <a:p>
+            <a:pPr marL="0" marR="0" lvl="0" indent="0" algn="ctr" defTabSz="914400" eaLnBrk="1" fontAlgn="auto" latinLnBrk="0" hangingPunct="1">
+              <a:lnSpc>
+                <a:spcPct val="100000"/>
+              </a:lnSpc>
+              <a:spcBef>
+                <a:spcPts val="0"/>
+              </a:spcBef>
+              <a:spcAft>
+                <a:spcPts val="0"/>
+              </a:spcAft>
+              <a:buClrTx/>
+              <a:buSzTx/>
+              <a:buFontTx/>
+              <a:buNone/>
+              <a:tabLst/>
+              <a:defRPr/>
+            </a:pPr>
+            <a:endParaRPr kumimoji="0" lang="en-US" sz="1400" b="0" i="0" u="none" strike="noStrike" kern="0" cap="none" spc="0" normalizeH="0" baseline="0" noProof="0">
+              <a:ln>
+                <a:noFill/>
+              </a:ln>
+              <a:solidFill>
+                <a:srgbClr val="FFFFFF"/>
+              </a:solidFill>
+              <a:effectLst/>
+              <a:uLnTx/>
+              <a:uFillTx/>
+              <a:latin typeface="Arial"/>
+              <a:ea typeface="+mn-ea"/>
+              <a:cs typeface="+mn-cs"/>
+              <a:sym typeface="Arial"/>
+              <a:rtl val="0"/>
+            </a:endParaRPr>
+          </a:p>
+        </p:txBody>
+      </p:sp>
     </p:spTree>
     <p:extLst>
       <p:ext uri="{BB962C8B-B14F-4D97-AF65-F5344CB8AC3E}">
-        <p14:creationId xmlns:p14="http://schemas.microsoft.com/office/powerpoint/2010/main" val="2958314684"/>
+        <p14:creationId xmlns:p14="http://schemas.microsoft.com/office/powerpoint/2010/main" val="3211184731"/>
+      </p:ext>
+    </p:extLst>
+  </p:cSld>
+  <p:clrMapOvr>
+    <a:masterClrMapping/>
+  </p:clrMapOvr>
+  <mc:AlternateContent xmlns:mc="http://schemas.openxmlformats.org/markup-compatibility/2006" xmlns:p159="http://schemas.microsoft.com/office/powerpoint/2015/09/main">
+    <mc:Choice Requires="p159">
+      <p:transition xmlns:p14="http://schemas.microsoft.com/office/powerpoint/2010/main" spd="slow" p14:dur="2000">
+        <p159:morph option="byObject"/>
+      </p:transition>
+    </mc:Choice>
+    <mc:Fallback xmlns="">
+      <p:transition spd="slow">
+        <p:fade/>
+      </p:transition>
+    </mc:Fallback>
+  </mc:AlternateContent>
+</p:sld>
+</file>
+
+<file path=ppt/slides/slide3.xml><?xml version="1.0" encoding="utf-8"?>
+<p:sld xmlns:a="http://schemas.openxmlformats.org/drawingml/2006/main" xmlns:r="http://schemas.openxmlformats.org/officeDocument/2006/relationships" xmlns:p="http://schemas.openxmlformats.org/presentationml/2006/main">
+  <p:cSld>
+    <p:bg>
+      <p:bgPr>
+        <a:solidFill>
+          <a:schemeClr val="bg1">
+            <a:alpha val="48000"/>
+          </a:schemeClr>
+        </a:solidFill>
+        <a:effectLst/>
+      </p:bgPr>
+    </p:bg>
+    <p:spTree>
+      <p:nvGrpSpPr>
+        <p:cNvPr id="1" name=""/>
+        <p:cNvGrpSpPr/>
+        <p:nvPr/>
+      </p:nvGrpSpPr>
+      <p:grpSpPr>
+        <a:xfrm>
+          <a:off x="0" y="0"/>
+          <a:ext cx="0" cy="0"/>
+          <a:chOff x="0" y="0"/>
+          <a:chExt cx="0" cy="0"/>
+        </a:xfrm>
+      </p:grpSpPr>
+      <p:pic>
+        <p:nvPicPr>
+          <p:cNvPr id="3" name="Picture 2" descr="A person on a motorcycle jumping in the air&#10;&#10;Description automatically generated">
+            <a:extLst>
+              <a:ext uri="{FF2B5EF4-FFF2-40B4-BE49-F238E27FC236}">
+                <a16:creationId xmlns:a16="http://schemas.microsoft.com/office/drawing/2014/main" id="{B190EF25-E339-921E-C87D-2C597BD042E0}"/>
+              </a:ext>
+            </a:extLst>
+          </p:cNvPr>
+          <p:cNvPicPr>
+            <a:picLocks noChangeAspect="1"/>
+          </p:cNvPicPr>
+          <p:nvPr/>
+        </p:nvPicPr>
+        <p:blipFill rotWithShape="1">
+          <a:blip r:embed="rId3">
+            <a:extLst>
+              <a:ext uri="{28A0092B-C50C-407E-A947-70E740481C1C}">
+                <a14:useLocalDpi xmlns:a14="http://schemas.microsoft.com/office/drawing/2010/main" val="0"/>
+              </a:ext>
+            </a:extLst>
+          </a:blip>
+          <a:srcRect t="7786" b="7786"/>
+          <a:stretch/>
+        </p:blipFill>
+        <p:spPr>
+          <a:xfrm>
+            <a:off x="704273" y="1681400"/>
+            <a:ext cx="2583630" cy="1453292"/>
+          </a:xfrm>
+          <a:prstGeom prst="rect">
+            <a:avLst/>
+          </a:prstGeom>
+        </p:spPr>
+      </p:pic>
+      <p:sp>
+        <p:nvSpPr>
+          <p:cNvPr id="8" name="!!1">
+            <a:extLst>
+              <a:ext uri="{FF2B5EF4-FFF2-40B4-BE49-F238E27FC236}">
+                <a16:creationId xmlns:a16="http://schemas.microsoft.com/office/drawing/2014/main" id="{BA46F796-A19D-6346-7298-071FF9A7A264}"/>
+              </a:ext>
+            </a:extLst>
+          </p:cNvPr>
+          <p:cNvSpPr txBox="1"/>
+          <p:nvPr/>
+        </p:nvSpPr>
+        <p:spPr>
+          <a:xfrm>
+            <a:off x="6701926" y="2382567"/>
+            <a:ext cx="4785801" cy="1938992"/>
+          </a:xfrm>
+          <a:prstGeom prst="rect">
+            <a:avLst/>
+          </a:prstGeom>
+          <a:noFill/>
+        </p:spPr>
+        <p:txBody>
+          <a:bodyPr wrap="square" rtlCol="0">
+            <a:spAutoFit/>
+          </a:bodyPr>
+          <a:lstStyle/>
+          <a:p>
+            <a:pPr algn="l"/>
+            <a:r>
+              <a:rPr lang="en-GB" sz="6000">
+                <a:solidFill>
+                  <a:srgbClr val="538C97"/>
+                </a:solidFill>
+              </a:rPr>
+              <a:t>Hình ảnh đạp xe</a:t>
+            </a:r>
+          </a:p>
+        </p:txBody>
+      </p:sp>
+      <p:pic>
+        <p:nvPicPr>
+          <p:cNvPr id="18" name="Picture 2" descr="Kỹ thuật chạy xe đạp đúng để có lợi cho sức khỏe tối đa">
+            <a:extLst>
+              <a:ext uri="{FF2B5EF4-FFF2-40B4-BE49-F238E27FC236}">
+                <a16:creationId xmlns:a16="http://schemas.microsoft.com/office/drawing/2014/main" id="{AD600A10-4718-45F8-90C2-C317BED8A7D2}"/>
+              </a:ext>
+            </a:extLst>
+          </p:cNvPr>
+          <p:cNvPicPr>
+            <a:picLocks noChangeAspect="1" noChangeArrowheads="1"/>
+          </p:cNvPicPr>
+          <p:nvPr/>
+        </p:nvPicPr>
+        <p:blipFill>
+          <a:blip r:embed="rId4">
+            <a:extLst>
+              <a:ext uri="{28A0092B-C50C-407E-A947-70E740481C1C}">
+                <a14:useLocalDpi xmlns:a14="http://schemas.microsoft.com/office/drawing/2010/main" val="0"/>
+              </a:ext>
+            </a:extLst>
+          </a:blip>
+          <a:srcRect/>
+          <a:stretch>
+            <a:fillRect/>
+          </a:stretch>
+        </p:blipFill>
+        <p:spPr bwMode="auto">
+          <a:xfrm>
+            <a:off x="3581210" y="1681400"/>
+            <a:ext cx="2827409" cy="1583349"/>
+          </a:xfrm>
+          <a:prstGeom prst="rect">
+            <a:avLst/>
+          </a:prstGeom>
+          <a:noFill/>
+          <a:extLst>
+            <a:ext uri="{909E8E84-426E-40DD-AFC4-6F175D3DCCD1}">
+              <a14:hiddenFill xmlns:a14="http://schemas.microsoft.com/office/drawing/2010/main">
+                <a:solidFill>
+                  <a:srgbClr val="FFFFFF"/>
+                </a:solidFill>
+              </a14:hiddenFill>
+            </a:ext>
+          </a:extLst>
+        </p:spPr>
+      </p:pic>
+      <p:pic>
+        <p:nvPicPr>
+          <p:cNvPr id="19" name="Picture 4" descr="Đạp xe đạp có làm bụng nhỏ đi không? | Vinmec">
+            <a:extLst>
+              <a:ext uri="{FF2B5EF4-FFF2-40B4-BE49-F238E27FC236}">
+                <a16:creationId xmlns:a16="http://schemas.microsoft.com/office/drawing/2014/main" id="{C05994D9-ECF5-468C-9383-505419B46525}"/>
+              </a:ext>
+            </a:extLst>
+          </p:cNvPr>
+          <p:cNvPicPr>
+            <a:picLocks noChangeAspect="1" noChangeArrowheads="1"/>
+          </p:cNvPicPr>
+          <p:nvPr/>
+        </p:nvPicPr>
+        <p:blipFill>
+          <a:blip r:embed="rId5">
+            <a:extLst>
+              <a:ext uri="{28A0092B-C50C-407E-A947-70E740481C1C}">
+                <a14:useLocalDpi xmlns:a14="http://schemas.microsoft.com/office/drawing/2010/main" val="0"/>
+              </a:ext>
+            </a:extLst>
+          </a:blip>
+          <a:srcRect/>
+          <a:stretch>
+            <a:fillRect/>
+          </a:stretch>
+        </p:blipFill>
+        <p:spPr bwMode="auto">
+          <a:xfrm>
+            <a:off x="715754" y="3455672"/>
+            <a:ext cx="2572149" cy="1716106"/>
+          </a:xfrm>
+          <a:prstGeom prst="rect">
+            <a:avLst/>
+          </a:prstGeom>
+          <a:noFill/>
+          <a:extLst>
+            <a:ext uri="{909E8E84-426E-40DD-AFC4-6F175D3DCCD1}">
+              <a14:hiddenFill xmlns:a14="http://schemas.microsoft.com/office/drawing/2010/main">
+                <a:solidFill>
+                  <a:srgbClr val="FFFFFF"/>
+                </a:solidFill>
+              </a14:hiddenFill>
+            </a:ext>
+          </a:extLst>
+        </p:spPr>
+      </p:pic>
+      <p:pic>
+        <p:nvPicPr>
+          <p:cNvPr id="20" name="Picture 6" descr="10 lợi ích sức khỏe của đạp xe đạp mỗi ngày | Sức khỏe | Thanh Niên">
+            <a:extLst>
+              <a:ext uri="{FF2B5EF4-FFF2-40B4-BE49-F238E27FC236}">
+                <a16:creationId xmlns:a16="http://schemas.microsoft.com/office/drawing/2014/main" id="{EC7243EA-D302-4B36-9D48-9407CC920A41}"/>
+              </a:ext>
+            </a:extLst>
+          </p:cNvPr>
+          <p:cNvPicPr>
+            <a:picLocks noChangeAspect="1" noChangeArrowheads="1"/>
+          </p:cNvPicPr>
+          <p:nvPr/>
+        </p:nvPicPr>
+        <p:blipFill rotWithShape="1">
+          <a:blip r:embed="rId6">
+            <a:extLst>
+              <a:ext uri="{28A0092B-C50C-407E-A947-70E740481C1C}">
+                <a14:useLocalDpi xmlns:a14="http://schemas.microsoft.com/office/drawing/2010/main" val="0"/>
+              </a:ext>
+            </a:extLst>
+          </a:blip>
+          <a:srcRect t="7134" b="7134"/>
+          <a:stretch/>
+        </p:blipFill>
+        <p:spPr bwMode="auto">
+          <a:xfrm>
+            <a:off x="3581211" y="3455672"/>
+            <a:ext cx="2827408" cy="1720929"/>
+          </a:xfrm>
+          <a:prstGeom prst="rect">
+            <a:avLst/>
+          </a:prstGeom>
+          <a:noFill/>
+          <a:extLst>
+            <a:ext uri="{909E8E84-426E-40DD-AFC4-6F175D3DCCD1}">
+              <a14:hiddenFill xmlns:a14="http://schemas.microsoft.com/office/drawing/2010/main">
+                <a:solidFill>
+                  <a:srgbClr val="FFFFFF"/>
+                </a:solidFill>
+              </a14:hiddenFill>
+            </a:ext>
+          </a:extLst>
+        </p:spPr>
+      </p:pic>
+    </p:spTree>
+    <p:extLst>
+      <p:ext uri="{BB962C8B-B14F-4D97-AF65-F5344CB8AC3E}">
+        <p14:creationId xmlns:p14="http://schemas.microsoft.com/office/powerpoint/2010/main" val="3815616889"/>
       </p:ext>
     </p:extLst>
   </p:cSld>
@@ -5625,7 +7062,7 @@
   <mc:AlternateContent xmlns:mc="http://schemas.openxmlformats.org/markup-compatibility/2006">
     <mc:Choice xmlns:p159="http://schemas.microsoft.com/office/powerpoint/2015/09/main" Requires="p159">
       <p:transition xmlns:p14="http://schemas.microsoft.com/office/powerpoint/2010/main" spd="slow" p14:dur="2000">
-        <p159:morph option="byObject"/>
+        <p159:morph option="byChar"/>
       </p:transition>
     </mc:Choice>
     <mc:Fallback>
